--- a/lesson06.pptx
+++ b/lesson06.pptx
@@ -212,7 +212,7 @@
 <file path=ppt/revisionInfo.xml><?xml version="1.0" encoding="utf-8"?>
 <p1510:revInfo xmlns:a="http://schemas.openxmlformats.org/drawingml/2006/main" xmlns:r="http://schemas.openxmlformats.org/officeDocument/2006/relationships" xmlns:p1510="http://schemas.microsoft.com/office/powerpoint/2015/10/main">
   <p1510:revLst>
-    <p1510:client id="{485E8B5D-CD35-43C0-8E9B-DA23789A500B}" v="4" dt="2022-02-04T10:51:56.310"/>
+    <p1510:client id="{99AB30ED-78D0-4A1D-97CE-79D77048F33B}" v="2" dt="2022-08-12T05:53:37.362"/>
   </p1510:revLst>
 </p1510:revInfo>
 </file>
@@ -220,43 +220,20 @@
 <file path=ppt/changesInfos/changesInfo1.xml><?xml version="1.0" encoding="utf-8"?>
 <pc:chgInfo xmlns:a="http://schemas.openxmlformats.org/drawingml/2006/main" xmlns:r="http://schemas.openxmlformats.org/officeDocument/2006/relationships" xmlns:ac="http://schemas.microsoft.com/office/drawing/2013/main/command" xmlns:pc="http://schemas.microsoft.com/office/powerpoint/2013/main/command">
   <pc:docChgLst>
-    <pc:chgData name="Anatoliy Kigel" userId="7432c6c4687b0a9c" providerId="LiveId" clId="{485E8B5D-CD35-43C0-8E9B-DA23789A500B}"/>
-    <pc:docChg chg="undo custSel modSld">
-      <pc:chgData name="Anatoliy Kigel" userId="7432c6c4687b0a9c" providerId="LiveId" clId="{485E8B5D-CD35-43C0-8E9B-DA23789A500B}" dt="2022-02-04T10:55:16.281" v="850" actId="20577"/>
+    <pc:chgData name="Anatoliy Kigel" userId="7432c6c4687b0a9c" providerId="LiveId" clId="{B7FEE6DA-6460-4932-9A6B-D557230E8178}"/>
+    <pc:docChg chg="delSld modSld modSection">
+      <pc:chgData name="Anatoliy Kigel" userId="7432c6c4687b0a9c" providerId="LiveId" clId="{B7FEE6DA-6460-4932-9A6B-D557230E8178}" dt="2021-04-10T13:28:17.904" v="15" actId="6549"/>
       <pc:docMkLst>
         <pc:docMk/>
       </pc:docMkLst>
       <pc:sldChg chg="modSp mod">
-        <pc:chgData name="Anatoliy Kigel" userId="7432c6c4687b0a9c" providerId="LiveId" clId="{485E8B5D-CD35-43C0-8E9B-DA23789A500B}" dt="2022-02-04T10:37:29.387" v="21" actId="120"/>
-        <pc:sldMkLst>
-          <pc:docMk/>
-          <pc:sldMk cId="3181977349" sldId="348"/>
-        </pc:sldMkLst>
-        <pc:spChg chg="mod">
-          <ac:chgData name="Anatoliy Kigel" userId="7432c6c4687b0a9c" providerId="LiveId" clId="{485E8B5D-CD35-43C0-8E9B-DA23789A500B}" dt="2022-02-04T10:31:47.913" v="6" actId="403"/>
-          <ac:spMkLst>
-            <pc:docMk/>
-            <pc:sldMk cId="3181977349" sldId="348"/>
-            <ac:spMk id="6" creationId="{00000000-0000-0000-0000-000000000000}"/>
-          </ac:spMkLst>
-        </pc:spChg>
-        <pc:spChg chg="mod">
-          <ac:chgData name="Anatoliy Kigel" userId="7432c6c4687b0a9c" providerId="LiveId" clId="{485E8B5D-CD35-43C0-8E9B-DA23789A500B}" dt="2022-02-04T10:37:29.387" v="21" actId="120"/>
-          <ac:spMkLst>
-            <pc:docMk/>
-            <pc:sldMk cId="3181977349" sldId="348"/>
-            <ac:spMk id="13" creationId="{00000000-0000-0000-0000-000000000000}"/>
-          </ac:spMkLst>
-        </pc:spChg>
-      </pc:sldChg>
-      <pc:sldChg chg="modSp mod">
-        <pc:chgData name="Anatoliy Kigel" userId="7432c6c4687b0a9c" providerId="LiveId" clId="{485E8B5D-CD35-43C0-8E9B-DA23789A500B}" dt="2022-02-04T10:33:20.163" v="15" actId="403"/>
+        <pc:chgData name="Anatoliy Kigel" userId="7432c6c4687b0a9c" providerId="LiveId" clId="{B7FEE6DA-6460-4932-9A6B-D557230E8178}" dt="2021-04-10T13:28:17.904" v="15" actId="6549"/>
         <pc:sldMkLst>
           <pc:docMk/>
           <pc:sldMk cId="1053936968" sldId="350"/>
         </pc:sldMkLst>
         <pc:spChg chg="mod">
-          <ac:chgData name="Anatoliy Kigel" userId="7432c6c4687b0a9c" providerId="LiveId" clId="{485E8B5D-CD35-43C0-8E9B-DA23789A500B}" dt="2022-02-04T10:33:20.163" v="15" actId="403"/>
+          <ac:chgData name="Anatoliy Kigel" userId="7432c6c4687b0a9c" providerId="LiveId" clId="{B7FEE6DA-6460-4932-9A6B-D557230E8178}" dt="2021-04-10T13:28:17.904" v="15" actId="6549"/>
           <ac:spMkLst>
             <pc:docMk/>
             <pc:sldMk cId="1053936968" sldId="350"/>
@@ -264,90 +241,49 @@
           </ac:spMkLst>
         </pc:spChg>
       </pc:sldChg>
-      <pc:sldChg chg="addSp delSp modSp mod">
-        <pc:chgData name="Anatoliy Kigel" userId="7432c6c4687b0a9c" providerId="LiveId" clId="{485E8B5D-CD35-43C0-8E9B-DA23789A500B}" dt="2022-02-04T10:41:59.150" v="25" actId="1076"/>
+      <pc:sldChg chg="del">
+        <pc:chgData name="Anatoliy Kigel" userId="7432c6c4687b0a9c" providerId="LiveId" clId="{B7FEE6DA-6460-4932-9A6B-D557230E8178}" dt="2021-04-10T12:49:18.105" v="10" actId="47"/>
         <pc:sldMkLst>
           <pc:docMk/>
-          <pc:sldMk cId="2220913979" sldId="370"/>
+          <pc:sldMk cId="22984900" sldId="374"/>
         </pc:sldMkLst>
-        <pc:picChg chg="del">
-          <ac:chgData name="Anatoliy Kigel" userId="7432c6c4687b0a9c" providerId="LiveId" clId="{485E8B5D-CD35-43C0-8E9B-DA23789A500B}" dt="2022-02-04T10:41:56.373" v="22" actId="478"/>
-          <ac:picMkLst>
-            <pc:docMk/>
-            <pc:sldMk cId="2220913979" sldId="370"/>
-            <ac:picMk id="5" creationId="{00000000-0000-0000-0000-000000000000}"/>
-          </ac:picMkLst>
-        </pc:picChg>
-        <pc:picChg chg="add mod">
-          <ac:chgData name="Anatoliy Kigel" userId="7432c6c4687b0a9c" providerId="LiveId" clId="{485E8B5D-CD35-43C0-8E9B-DA23789A500B}" dt="2022-02-04T10:41:59.150" v="25" actId="1076"/>
-          <ac:picMkLst>
-            <pc:docMk/>
-            <pc:sldMk cId="2220913979" sldId="370"/>
-            <ac:picMk id="6" creationId="{2FFF0673-8DFD-44A1-872F-C7297F6C4E46}"/>
-          </ac:picMkLst>
-        </pc:picChg>
       </pc:sldChg>
       <pc:sldChg chg="modSp mod">
-        <pc:chgData name="Anatoliy Kigel" userId="7432c6c4687b0a9c" providerId="LiveId" clId="{485E8B5D-CD35-43C0-8E9B-DA23789A500B}" dt="2022-02-04T10:31:44.304" v="4" actId="1036"/>
+        <pc:chgData name="Anatoliy Kigel" userId="7432c6c4687b0a9c" providerId="LiveId" clId="{B7FEE6DA-6460-4932-9A6B-D557230E8178}" dt="2021-04-10T12:49:22.465" v="11" actId="403"/>
         <pc:sldMkLst>
           <pc:docMk/>
-          <pc:sldMk cId="277307594" sldId="380"/>
+          <pc:sldMk cId="4222694940" sldId="375"/>
         </pc:sldMkLst>
         <pc:spChg chg="mod">
-          <ac:chgData name="Anatoliy Kigel" userId="7432c6c4687b0a9c" providerId="LiveId" clId="{485E8B5D-CD35-43C0-8E9B-DA23789A500B}" dt="2022-02-04T10:31:44.304" v="4" actId="1036"/>
+          <ac:chgData name="Anatoliy Kigel" userId="7432c6c4687b0a9c" providerId="LiveId" clId="{B7FEE6DA-6460-4932-9A6B-D557230E8178}" dt="2021-04-10T12:49:22.465" v="11" actId="403"/>
           <ac:spMkLst>
             <pc:docMk/>
-            <pc:sldMk cId="277307594" sldId="380"/>
-            <ac:spMk id="9" creationId="{00000000-0000-0000-0000-000000000000}"/>
+            <pc:sldMk cId="4222694940" sldId="375"/>
+            <ac:spMk id="5" creationId="{00000000-0000-0000-0000-000000000000}"/>
           </ac:spMkLst>
         </pc:spChg>
       </pc:sldChg>
-      <pc:sldChg chg="addSp delSp modSp mod">
-        <pc:chgData name="Anatoliy Kigel" userId="7432c6c4687b0a9c" providerId="LiveId" clId="{485E8B5D-CD35-43C0-8E9B-DA23789A500B}" dt="2022-02-04T10:55:16.281" v="850" actId="20577"/>
+      <pc:sldChg chg="del">
+        <pc:chgData name="Anatoliy Kigel" userId="7432c6c4687b0a9c" providerId="LiveId" clId="{B7FEE6DA-6460-4932-9A6B-D557230E8178}" dt="2021-04-10T12:49:04.321" v="9" actId="47"/>
+        <pc:sldMkLst>
+          <pc:docMk/>
+          <pc:sldMk cId="931276825" sldId="376"/>
+        </pc:sldMkLst>
+      </pc:sldChg>
+      <pc:sldChg chg="modSp mod">
+        <pc:chgData name="Anatoliy Kigel" userId="7432c6c4687b0a9c" providerId="LiveId" clId="{B7FEE6DA-6460-4932-9A6B-D557230E8178}" dt="2021-04-10T12:48:52.502" v="8" actId="20577"/>
         <pc:sldMkLst>
           <pc:docMk/>
           <pc:sldMk cId="2729612447" sldId="381"/>
         </pc:sldMkLst>
         <pc:spChg chg="mod">
-          <ac:chgData name="Anatoliy Kigel" userId="7432c6c4687b0a9c" providerId="LiveId" clId="{485E8B5D-CD35-43C0-8E9B-DA23789A500B}" dt="2022-02-04T10:55:16.281" v="850" actId="20577"/>
+          <ac:chgData name="Anatoliy Kigel" userId="7432c6c4687b0a9c" providerId="LiveId" clId="{B7FEE6DA-6460-4932-9A6B-D557230E8178}" dt="2021-04-10T12:48:52.502" v="8" actId="20577"/>
           <ac:spMkLst>
             <pc:docMk/>
             <pc:sldMk cId="2729612447" sldId="381"/>
-            <ac:spMk id="6" creationId="{00000000-0000-0000-0000-000000000000}"/>
+            <ac:spMk id="9" creationId="{00000000-0000-0000-0000-000000000000}"/>
           </ac:spMkLst>
         </pc:spChg>
-        <pc:spChg chg="del">
-          <ac:chgData name="Anatoliy Kigel" userId="7432c6c4687b0a9c" providerId="LiveId" clId="{485E8B5D-CD35-43C0-8E9B-DA23789A500B}" dt="2022-02-04T10:45:35.291" v="29" actId="478"/>
-          <ac:spMkLst>
-            <pc:docMk/>
-            <pc:sldMk cId="2729612447" sldId="381"/>
-            <ac:spMk id="7" creationId="{B3D97F42-F47D-4D27-902C-6D6DD772FBA3}"/>
-          </ac:spMkLst>
-        </pc:spChg>
-        <pc:spChg chg="add mod">
-          <ac:chgData name="Anatoliy Kigel" userId="7432c6c4687b0a9c" providerId="LiveId" clId="{485E8B5D-CD35-43C0-8E9B-DA23789A500B}" dt="2022-02-04T10:55:11.574" v="848" actId="1036"/>
-          <ac:spMkLst>
-            <pc:docMk/>
-            <pc:sldMk cId="2729612447" sldId="381"/>
-            <ac:spMk id="8" creationId="{5FA60A20-73E3-482E-811C-47B94AE301F0}"/>
-          </ac:spMkLst>
-        </pc:spChg>
-        <pc:picChg chg="del">
-          <ac:chgData name="Anatoliy Kigel" userId="7432c6c4687b0a9c" providerId="LiveId" clId="{485E8B5D-CD35-43C0-8E9B-DA23789A500B}" dt="2022-02-04T10:45:29.340" v="26" actId="478"/>
-          <ac:picMkLst>
-            <pc:docMk/>
-            <pc:sldMk cId="2729612447" sldId="381"/>
-            <ac:picMk id="2" creationId="{00000000-0000-0000-0000-000000000000}"/>
-          </ac:picMkLst>
-        </pc:picChg>
-        <pc:picChg chg="add mod">
-          <ac:chgData name="Anatoliy Kigel" userId="7432c6c4687b0a9c" providerId="LiveId" clId="{485E8B5D-CD35-43C0-8E9B-DA23789A500B}" dt="2022-02-04T10:45:32.161" v="28" actId="1076"/>
-          <ac:picMkLst>
-            <pc:docMk/>
-            <pc:sldMk cId="2729612447" sldId="381"/>
-            <ac:picMk id="5" creationId="{2F898121-B5FE-4EAA-B9F0-E89EB61702DE}"/>
-          </ac:picMkLst>
-        </pc:picChg>
       </pc:sldChg>
     </pc:docChg>
   </pc:docChgLst>
@@ -499,20 +435,43 @@
     </pc:docChg>
   </pc:docChgLst>
   <pc:docChgLst>
-    <pc:chgData name="Anatoliy Kigel" userId="7432c6c4687b0a9c" providerId="LiveId" clId="{B7FEE6DA-6460-4932-9A6B-D557230E8178}"/>
-    <pc:docChg chg="delSld modSld modSection">
-      <pc:chgData name="Anatoliy Kigel" userId="7432c6c4687b0a9c" providerId="LiveId" clId="{B7FEE6DA-6460-4932-9A6B-D557230E8178}" dt="2021-04-10T13:28:17.904" v="15" actId="6549"/>
+    <pc:chgData name="Anatoliy Kigel" userId="7432c6c4687b0a9c" providerId="LiveId" clId="{485E8B5D-CD35-43C0-8E9B-DA23789A500B}"/>
+    <pc:docChg chg="undo custSel modSld">
+      <pc:chgData name="Anatoliy Kigel" userId="7432c6c4687b0a9c" providerId="LiveId" clId="{485E8B5D-CD35-43C0-8E9B-DA23789A500B}" dt="2022-02-04T10:55:16.281" v="850" actId="20577"/>
       <pc:docMkLst>
         <pc:docMk/>
       </pc:docMkLst>
       <pc:sldChg chg="modSp mod">
-        <pc:chgData name="Anatoliy Kigel" userId="7432c6c4687b0a9c" providerId="LiveId" clId="{B7FEE6DA-6460-4932-9A6B-D557230E8178}" dt="2021-04-10T13:28:17.904" v="15" actId="6549"/>
+        <pc:chgData name="Anatoliy Kigel" userId="7432c6c4687b0a9c" providerId="LiveId" clId="{485E8B5D-CD35-43C0-8E9B-DA23789A500B}" dt="2022-02-04T10:37:29.387" v="21" actId="120"/>
+        <pc:sldMkLst>
+          <pc:docMk/>
+          <pc:sldMk cId="3181977349" sldId="348"/>
+        </pc:sldMkLst>
+        <pc:spChg chg="mod">
+          <ac:chgData name="Anatoliy Kigel" userId="7432c6c4687b0a9c" providerId="LiveId" clId="{485E8B5D-CD35-43C0-8E9B-DA23789A500B}" dt="2022-02-04T10:31:47.913" v="6" actId="403"/>
+          <ac:spMkLst>
+            <pc:docMk/>
+            <pc:sldMk cId="3181977349" sldId="348"/>
+            <ac:spMk id="6" creationId="{00000000-0000-0000-0000-000000000000}"/>
+          </ac:spMkLst>
+        </pc:spChg>
+        <pc:spChg chg="mod">
+          <ac:chgData name="Anatoliy Kigel" userId="7432c6c4687b0a9c" providerId="LiveId" clId="{485E8B5D-CD35-43C0-8E9B-DA23789A500B}" dt="2022-02-04T10:37:29.387" v="21" actId="120"/>
+          <ac:spMkLst>
+            <pc:docMk/>
+            <pc:sldMk cId="3181977349" sldId="348"/>
+            <ac:spMk id="13" creationId="{00000000-0000-0000-0000-000000000000}"/>
+          </ac:spMkLst>
+        </pc:spChg>
+      </pc:sldChg>
+      <pc:sldChg chg="modSp mod">
+        <pc:chgData name="Anatoliy Kigel" userId="7432c6c4687b0a9c" providerId="LiveId" clId="{485E8B5D-CD35-43C0-8E9B-DA23789A500B}" dt="2022-02-04T10:33:20.163" v="15" actId="403"/>
         <pc:sldMkLst>
           <pc:docMk/>
           <pc:sldMk cId="1053936968" sldId="350"/>
         </pc:sldMkLst>
         <pc:spChg chg="mod">
-          <ac:chgData name="Anatoliy Kigel" userId="7432c6c4687b0a9c" providerId="LiveId" clId="{B7FEE6DA-6460-4932-9A6B-D557230E8178}" dt="2021-04-10T13:28:17.904" v="15" actId="6549"/>
+          <ac:chgData name="Anatoliy Kigel" userId="7432c6c4687b0a9c" providerId="LiveId" clId="{485E8B5D-CD35-43C0-8E9B-DA23789A500B}" dt="2022-02-04T10:33:20.163" v="15" actId="403"/>
           <ac:spMkLst>
             <pc:docMk/>
             <pc:sldMk cId="1053936968" sldId="350"/>
@@ -520,47 +479,112 @@
           </ac:spMkLst>
         </pc:spChg>
       </pc:sldChg>
-      <pc:sldChg chg="del">
-        <pc:chgData name="Anatoliy Kigel" userId="7432c6c4687b0a9c" providerId="LiveId" clId="{B7FEE6DA-6460-4932-9A6B-D557230E8178}" dt="2021-04-10T12:49:18.105" v="10" actId="47"/>
+      <pc:sldChg chg="addSp delSp modSp mod">
+        <pc:chgData name="Anatoliy Kigel" userId="7432c6c4687b0a9c" providerId="LiveId" clId="{485E8B5D-CD35-43C0-8E9B-DA23789A500B}" dt="2022-02-04T10:41:59.150" v="25" actId="1076"/>
         <pc:sldMkLst>
           <pc:docMk/>
-          <pc:sldMk cId="22984900" sldId="374"/>
+          <pc:sldMk cId="2220913979" sldId="370"/>
         </pc:sldMkLst>
+        <pc:picChg chg="del">
+          <ac:chgData name="Anatoliy Kigel" userId="7432c6c4687b0a9c" providerId="LiveId" clId="{485E8B5D-CD35-43C0-8E9B-DA23789A500B}" dt="2022-02-04T10:41:56.373" v="22" actId="478"/>
+          <ac:picMkLst>
+            <pc:docMk/>
+            <pc:sldMk cId="2220913979" sldId="370"/>
+            <ac:picMk id="5" creationId="{00000000-0000-0000-0000-000000000000}"/>
+          </ac:picMkLst>
+        </pc:picChg>
+        <pc:picChg chg="add mod">
+          <ac:chgData name="Anatoliy Kigel" userId="7432c6c4687b0a9c" providerId="LiveId" clId="{485E8B5D-CD35-43C0-8E9B-DA23789A500B}" dt="2022-02-04T10:41:59.150" v="25" actId="1076"/>
+          <ac:picMkLst>
+            <pc:docMk/>
+            <pc:sldMk cId="2220913979" sldId="370"/>
+            <ac:picMk id="6" creationId="{2FFF0673-8DFD-44A1-872F-C7297F6C4E46}"/>
+          </ac:picMkLst>
+        </pc:picChg>
       </pc:sldChg>
       <pc:sldChg chg="modSp mod">
-        <pc:chgData name="Anatoliy Kigel" userId="7432c6c4687b0a9c" providerId="LiveId" clId="{B7FEE6DA-6460-4932-9A6B-D557230E8178}" dt="2021-04-10T12:49:22.465" v="11" actId="403"/>
+        <pc:chgData name="Anatoliy Kigel" userId="7432c6c4687b0a9c" providerId="LiveId" clId="{485E8B5D-CD35-43C0-8E9B-DA23789A500B}" dt="2022-02-04T10:31:44.304" v="4" actId="1036"/>
         <pc:sldMkLst>
           <pc:docMk/>
-          <pc:sldMk cId="4222694940" sldId="375"/>
+          <pc:sldMk cId="277307594" sldId="380"/>
         </pc:sldMkLst>
         <pc:spChg chg="mod">
-          <ac:chgData name="Anatoliy Kigel" userId="7432c6c4687b0a9c" providerId="LiveId" clId="{B7FEE6DA-6460-4932-9A6B-D557230E8178}" dt="2021-04-10T12:49:22.465" v="11" actId="403"/>
+          <ac:chgData name="Anatoliy Kigel" userId="7432c6c4687b0a9c" providerId="LiveId" clId="{485E8B5D-CD35-43C0-8E9B-DA23789A500B}" dt="2022-02-04T10:31:44.304" v="4" actId="1036"/>
           <ac:spMkLst>
             <pc:docMk/>
-            <pc:sldMk cId="4222694940" sldId="375"/>
-            <ac:spMk id="5" creationId="{00000000-0000-0000-0000-000000000000}"/>
+            <pc:sldMk cId="277307594" sldId="380"/>
+            <ac:spMk id="9" creationId="{00000000-0000-0000-0000-000000000000}"/>
           </ac:spMkLst>
         </pc:spChg>
       </pc:sldChg>
-      <pc:sldChg chg="del">
-        <pc:chgData name="Anatoliy Kigel" userId="7432c6c4687b0a9c" providerId="LiveId" clId="{B7FEE6DA-6460-4932-9A6B-D557230E8178}" dt="2021-04-10T12:49:04.321" v="9" actId="47"/>
-        <pc:sldMkLst>
-          <pc:docMk/>
-          <pc:sldMk cId="931276825" sldId="376"/>
-        </pc:sldMkLst>
-      </pc:sldChg>
-      <pc:sldChg chg="modSp mod">
-        <pc:chgData name="Anatoliy Kigel" userId="7432c6c4687b0a9c" providerId="LiveId" clId="{B7FEE6DA-6460-4932-9A6B-D557230E8178}" dt="2021-04-10T12:48:52.502" v="8" actId="20577"/>
+      <pc:sldChg chg="addSp delSp modSp mod">
+        <pc:chgData name="Anatoliy Kigel" userId="7432c6c4687b0a9c" providerId="LiveId" clId="{485E8B5D-CD35-43C0-8E9B-DA23789A500B}" dt="2022-02-04T10:55:16.281" v="850" actId="20577"/>
         <pc:sldMkLst>
           <pc:docMk/>
           <pc:sldMk cId="2729612447" sldId="381"/>
         </pc:sldMkLst>
         <pc:spChg chg="mod">
-          <ac:chgData name="Anatoliy Kigel" userId="7432c6c4687b0a9c" providerId="LiveId" clId="{B7FEE6DA-6460-4932-9A6B-D557230E8178}" dt="2021-04-10T12:48:52.502" v="8" actId="20577"/>
+          <ac:chgData name="Anatoliy Kigel" userId="7432c6c4687b0a9c" providerId="LiveId" clId="{485E8B5D-CD35-43C0-8E9B-DA23789A500B}" dt="2022-02-04T10:55:16.281" v="850" actId="20577"/>
           <ac:spMkLst>
             <pc:docMk/>
             <pc:sldMk cId="2729612447" sldId="381"/>
-            <ac:spMk id="9" creationId="{00000000-0000-0000-0000-000000000000}"/>
+            <ac:spMk id="6" creationId="{00000000-0000-0000-0000-000000000000}"/>
+          </ac:spMkLst>
+        </pc:spChg>
+        <pc:spChg chg="del">
+          <ac:chgData name="Anatoliy Kigel" userId="7432c6c4687b0a9c" providerId="LiveId" clId="{485E8B5D-CD35-43C0-8E9B-DA23789A500B}" dt="2022-02-04T10:45:35.291" v="29" actId="478"/>
+          <ac:spMkLst>
+            <pc:docMk/>
+            <pc:sldMk cId="2729612447" sldId="381"/>
+            <ac:spMk id="7" creationId="{B3D97F42-F47D-4D27-902C-6D6DD772FBA3}"/>
+          </ac:spMkLst>
+        </pc:spChg>
+        <pc:spChg chg="add mod">
+          <ac:chgData name="Anatoliy Kigel" userId="7432c6c4687b0a9c" providerId="LiveId" clId="{485E8B5D-CD35-43C0-8E9B-DA23789A500B}" dt="2022-02-04T10:55:11.574" v="848" actId="1036"/>
+          <ac:spMkLst>
+            <pc:docMk/>
+            <pc:sldMk cId="2729612447" sldId="381"/>
+            <ac:spMk id="8" creationId="{5FA60A20-73E3-482E-811C-47B94AE301F0}"/>
+          </ac:spMkLst>
+        </pc:spChg>
+        <pc:picChg chg="del">
+          <ac:chgData name="Anatoliy Kigel" userId="7432c6c4687b0a9c" providerId="LiveId" clId="{485E8B5D-CD35-43C0-8E9B-DA23789A500B}" dt="2022-02-04T10:45:29.340" v="26" actId="478"/>
+          <ac:picMkLst>
+            <pc:docMk/>
+            <pc:sldMk cId="2729612447" sldId="381"/>
+            <ac:picMk id="2" creationId="{00000000-0000-0000-0000-000000000000}"/>
+          </ac:picMkLst>
+        </pc:picChg>
+        <pc:picChg chg="add mod">
+          <ac:chgData name="Anatoliy Kigel" userId="7432c6c4687b0a9c" providerId="LiveId" clId="{485E8B5D-CD35-43C0-8E9B-DA23789A500B}" dt="2022-02-04T10:45:32.161" v="28" actId="1076"/>
+          <ac:picMkLst>
+            <pc:docMk/>
+            <pc:sldMk cId="2729612447" sldId="381"/>
+            <ac:picMk id="5" creationId="{2F898121-B5FE-4EAA-B9F0-E89EB61702DE}"/>
+          </ac:picMkLst>
+        </pc:picChg>
+      </pc:sldChg>
+    </pc:docChg>
+  </pc:docChgLst>
+  <pc:docChgLst>
+    <pc:chgData name="Anatoliy Kigel" userId="7432c6c4687b0a9c" providerId="LiveId" clId="{99AB30ED-78D0-4A1D-97CE-79D77048F33B}"/>
+    <pc:docChg chg="modSld">
+      <pc:chgData name="Anatoliy Kigel" userId="7432c6c4687b0a9c" providerId="LiveId" clId="{99AB30ED-78D0-4A1D-97CE-79D77048F33B}" dt="2022-08-12T05:53:38.399" v="7" actId="6549"/>
+      <pc:docMkLst>
+        <pc:docMk/>
+      </pc:docMkLst>
+      <pc:sldChg chg="modSp mod">
+        <pc:chgData name="Anatoliy Kigel" userId="7432c6c4687b0a9c" providerId="LiveId" clId="{99AB30ED-78D0-4A1D-97CE-79D77048F33B}" dt="2022-08-12T05:53:38.399" v="7" actId="6549"/>
+        <pc:sldMkLst>
+          <pc:docMk/>
+          <pc:sldMk cId="1053936968" sldId="350"/>
+        </pc:sldMkLst>
+        <pc:spChg chg="mod">
+          <ac:chgData name="Anatoliy Kigel" userId="7432c6c4687b0a9c" providerId="LiveId" clId="{99AB30ED-78D0-4A1D-97CE-79D77048F33B}" dt="2022-08-12T05:53:38.399" v="7" actId="6549"/>
+          <ac:spMkLst>
+            <pc:docMk/>
+            <pc:sldMk cId="1053936968" sldId="350"/>
+            <ac:spMk id="7" creationId="{00000000-0000-0000-0000-000000000000}"/>
           </ac:spMkLst>
         </pc:spChg>
       </pc:sldChg>
@@ -652,7 +676,7 @@
             <a:fld id="{85522811-C5C6-42D2-A409-F8556720C93F}" type="datetimeFigureOut">
               <a:rPr lang="uk-UA" smtClean="0"/>
               <a:pPr/>
-              <a:t>21.06.2022</a:t>
+              <a:t>12.08.2022</a:t>
             </a:fld>
             <a:endParaRPr lang="uk-UA"/>
           </a:p>
@@ -1282,7 +1306,7 @@
             <a:fld id="{E6FC6B0D-6115-4D7C-8040-9C8E2349BB6E}" type="datetime1">
               <a:rPr lang="uk-UA" smtClean="0"/>
               <a:pPr/>
-              <a:t>21.06.2022</a:t>
+              <a:t>12.08.2022</a:t>
             </a:fld>
             <a:endParaRPr lang="uk-UA"/>
           </a:p>
@@ -1449,7 +1473,7 @@
             <a:fld id="{996367BA-0A39-4DE2-BFC3-D5290044365E}" type="datetime1">
               <a:rPr lang="uk-UA" smtClean="0"/>
               <a:pPr/>
-              <a:t>21.06.2022</a:t>
+              <a:t>12.08.2022</a:t>
             </a:fld>
             <a:endParaRPr lang="uk-UA"/>
           </a:p>
@@ -1626,7 +1650,7 @@
             <a:fld id="{1BD6A67F-6C29-47DC-AF8A-FDB3C787DF70}" type="datetime1">
               <a:rPr lang="uk-UA" smtClean="0"/>
               <a:pPr/>
-              <a:t>21.06.2022</a:t>
+              <a:t>12.08.2022</a:t>
             </a:fld>
             <a:endParaRPr lang="uk-UA"/>
           </a:p>
@@ -1793,7 +1817,7 @@
             <a:fld id="{1657D9C5-7FF1-434F-B56E-9BAD559744E9}" type="datetime1">
               <a:rPr lang="uk-UA" smtClean="0"/>
               <a:pPr/>
-              <a:t>21.06.2022</a:t>
+              <a:t>12.08.2022</a:t>
             </a:fld>
             <a:endParaRPr lang="uk-UA"/>
           </a:p>
@@ -2036,7 +2060,7 @@
             <a:fld id="{2CEB0FC9-DE63-476B-A1A9-BE934D9049F8}" type="datetime1">
               <a:rPr lang="uk-UA" smtClean="0"/>
               <a:pPr/>
-              <a:t>21.06.2022</a:t>
+              <a:t>12.08.2022</a:t>
             </a:fld>
             <a:endParaRPr lang="uk-UA"/>
           </a:p>
@@ -2321,7 +2345,7 @@
             <a:fld id="{F964460F-86E2-4DF6-9D0F-12F5005CF375}" type="datetime1">
               <a:rPr lang="uk-UA" smtClean="0"/>
               <a:pPr/>
-              <a:t>21.06.2022</a:t>
+              <a:t>12.08.2022</a:t>
             </a:fld>
             <a:endParaRPr lang="uk-UA"/>
           </a:p>
@@ -2740,7 +2764,7 @@
             <a:fld id="{C521715E-DDCD-4267-B0A5-2918B6F6768A}" type="datetime1">
               <a:rPr lang="uk-UA" smtClean="0"/>
               <a:pPr/>
-              <a:t>21.06.2022</a:t>
+              <a:t>12.08.2022</a:t>
             </a:fld>
             <a:endParaRPr lang="uk-UA"/>
           </a:p>
@@ -2855,7 +2879,7 @@
             <a:fld id="{9289842C-EB2D-4EBB-A272-2F6A49D9794D}" type="datetime1">
               <a:rPr lang="uk-UA" smtClean="0"/>
               <a:pPr/>
-              <a:t>21.06.2022</a:t>
+              <a:t>12.08.2022</a:t>
             </a:fld>
             <a:endParaRPr lang="uk-UA"/>
           </a:p>
@@ -2947,7 +2971,7 @@
             <a:fld id="{D036F091-B700-4B52-99AC-85D0FD94D904}" type="datetime1">
               <a:rPr lang="uk-UA" smtClean="0"/>
               <a:pPr/>
-              <a:t>21.06.2022</a:t>
+              <a:t>12.08.2022</a:t>
             </a:fld>
             <a:endParaRPr lang="uk-UA"/>
           </a:p>
@@ -3221,7 +3245,7 @@
             <a:fld id="{B35DFABA-3811-4634-B803-2EAC4CD0063B}" type="datetime1">
               <a:rPr lang="uk-UA" smtClean="0"/>
               <a:pPr/>
-              <a:t>21.06.2022</a:t>
+              <a:t>12.08.2022</a:t>
             </a:fld>
             <a:endParaRPr lang="uk-UA"/>
           </a:p>
@@ -3471,7 +3495,7 @@
             <a:fld id="{8A9EA25E-F88E-463A-A119-D1E55A881002}" type="datetime1">
               <a:rPr lang="uk-UA" smtClean="0"/>
               <a:pPr/>
-              <a:t>21.06.2022</a:t>
+              <a:t>12.08.2022</a:t>
             </a:fld>
             <a:endParaRPr lang="uk-UA"/>
           </a:p>
@@ -3681,7 +3705,7 @@
             <a:fld id="{E708ED03-0080-49A2-B709-7DA4ACB3A1C3}" type="datetime1">
               <a:rPr lang="uk-UA" smtClean="0"/>
               <a:pPr/>
-              <a:t>21.06.2022</a:t>
+              <a:t>12.08.2022</a:t>
             </a:fld>
             <a:endParaRPr lang="uk-UA"/>
           </a:p>
@@ -9878,7 +9902,7 @@
               <a:rPr lang="en-US" sz="2800" b="1" dirty="0">
                 <a:hlinkClick r:id="rId2"/>
               </a:rPr>
-              <a:t>https://github.com/filebase-xyz/css-selectors/archive/v2022b.zip</a:t>
+              <a:t>https://github.com/filebase-xyz/css-selectors/archive/v2022c.zip</a:t>
             </a:r>
             <a:endParaRPr lang="ru-RU" sz="2800" b="1" dirty="0"/>
           </a:p>
